--- a/other/icons.pptx
+++ b/other/icons.pptx
@@ -10,6 +10,7 @@
     <p:sldId id="259" r:id="rId4"/>
     <p:sldId id="260" r:id="rId5"/>
     <p:sldId id="257" r:id="rId6"/>
+    <p:sldId id="261" r:id="rId7"/>
   </p:sldIdLst>
   <p:sldSz cx="12192000" cy="6858000"/>
   <p:notesSz cx="6858000" cy="9144000"/>
@@ -108,6 +109,11 @@
       </a:defRPr>
     </a:lvl9pPr>
   </p:defaultTextStyle>
+  <p:extLst>
+    <p:ext uri="{EFAFB233-063F-42B5-8137-9DF3F51BA10A}">
+      <p15:sldGuideLst xmlns:p15="http://schemas.microsoft.com/office/powerpoint/2012/main"/>
+    </p:ext>
+  </p:extLst>
 </p:presentation>
 </file>
 
@@ -258,7 +264,7 @@
           <a:p>
             <a:fld id="{08A4DABE-A2A5-C94E-8BC4-20DA9E48F009}" type="datetimeFigureOut">
               <a:rPr lang="de-DE" smtClean="0"/>
-              <a:t>16.01.21</a:t>
+              <a:t>17.01.21</a:t>
             </a:fld>
             <a:endParaRPr lang="de-DE"/>
           </a:p>
@@ -431,7 +437,7 @@
           <a:p>
             <a:fld id="{08A4DABE-A2A5-C94E-8BC4-20DA9E48F009}" type="datetimeFigureOut">
               <a:rPr lang="de-DE" smtClean="0"/>
-              <a:t>16.01.21</a:t>
+              <a:t>17.01.21</a:t>
             </a:fld>
             <a:endParaRPr lang="de-DE"/>
           </a:p>
@@ -614,7 +620,7 @@
           <a:p>
             <a:fld id="{08A4DABE-A2A5-C94E-8BC4-20DA9E48F009}" type="datetimeFigureOut">
               <a:rPr lang="de-DE" smtClean="0"/>
-              <a:t>16.01.21</a:t>
+              <a:t>17.01.21</a:t>
             </a:fld>
             <a:endParaRPr lang="de-DE"/>
           </a:p>
@@ -787,7 +793,7 @@
           <a:p>
             <a:fld id="{08A4DABE-A2A5-C94E-8BC4-20DA9E48F009}" type="datetimeFigureOut">
               <a:rPr lang="de-DE" smtClean="0"/>
-              <a:t>16.01.21</a:t>
+              <a:t>17.01.21</a:t>
             </a:fld>
             <a:endParaRPr lang="de-DE"/>
           </a:p>
@@ -1065,7 +1071,7 @@
           <a:p>
             <a:fld id="{08A4DABE-A2A5-C94E-8BC4-20DA9E48F009}" type="datetimeFigureOut">
               <a:rPr lang="de-DE" smtClean="0"/>
-              <a:t>16.01.21</a:t>
+              <a:t>17.01.21</a:t>
             </a:fld>
             <a:endParaRPr lang="de-DE"/>
           </a:p>
@@ -1280,7 +1286,7 @@
           <a:p>
             <a:fld id="{08A4DABE-A2A5-C94E-8BC4-20DA9E48F009}" type="datetimeFigureOut">
               <a:rPr lang="de-DE" smtClean="0"/>
-              <a:t>16.01.21</a:t>
+              <a:t>17.01.21</a:t>
             </a:fld>
             <a:endParaRPr lang="de-DE"/>
           </a:p>
@@ -1648,7 +1654,7 @@
           <a:p>
             <a:fld id="{08A4DABE-A2A5-C94E-8BC4-20DA9E48F009}" type="datetimeFigureOut">
               <a:rPr lang="de-DE" smtClean="0"/>
-              <a:t>16.01.21</a:t>
+              <a:t>17.01.21</a:t>
             </a:fld>
             <a:endParaRPr lang="de-DE"/>
           </a:p>
@@ -1789,7 +1795,7 @@
           <a:p>
             <a:fld id="{08A4DABE-A2A5-C94E-8BC4-20DA9E48F009}" type="datetimeFigureOut">
               <a:rPr lang="de-DE" smtClean="0"/>
-              <a:t>16.01.21</a:t>
+              <a:t>17.01.21</a:t>
             </a:fld>
             <a:endParaRPr lang="de-DE"/>
           </a:p>
@@ -1902,7 +1908,7 @@
           <a:p>
             <a:fld id="{08A4DABE-A2A5-C94E-8BC4-20DA9E48F009}" type="datetimeFigureOut">
               <a:rPr lang="de-DE" smtClean="0"/>
-              <a:t>16.01.21</a:t>
+              <a:t>17.01.21</a:t>
             </a:fld>
             <a:endParaRPr lang="de-DE"/>
           </a:p>
@@ -2191,7 +2197,7 @@
           <a:p>
             <a:fld id="{08A4DABE-A2A5-C94E-8BC4-20DA9E48F009}" type="datetimeFigureOut">
               <a:rPr lang="de-DE" smtClean="0"/>
-              <a:t>16.01.21</a:t>
+              <a:t>17.01.21</a:t>
             </a:fld>
             <a:endParaRPr lang="de-DE"/>
           </a:p>
@@ -2482,7 +2488,7 @@
           <a:p>
             <a:fld id="{08A4DABE-A2A5-C94E-8BC4-20DA9E48F009}" type="datetimeFigureOut">
               <a:rPr lang="de-DE" smtClean="0"/>
-              <a:t>16.01.21</a:t>
+              <a:t>17.01.21</a:t>
             </a:fld>
             <a:endParaRPr lang="de-DE"/>
           </a:p>
@@ -2698,7 +2704,7 @@
           <a:p>
             <a:fld id="{08A4DABE-A2A5-C94E-8BC4-20DA9E48F009}" type="datetimeFigureOut">
               <a:rPr lang="de-DE" smtClean="0"/>
-              <a:t>16.01.21</a:t>
+              <a:t>17.01.21</a:t>
             </a:fld>
             <a:endParaRPr lang="de-DE"/>
           </a:p>
@@ -7824,6 +7830,1630 @@
 </p:sld>
 </file>
 
+<file path=ppt/slides/slide6.xml><?xml version="1.0" encoding="utf-8"?>
+<p:sld xmlns:a="http://schemas.openxmlformats.org/drawingml/2006/main" xmlns:r="http://schemas.openxmlformats.org/officeDocument/2006/relationships" xmlns:p="http://schemas.openxmlformats.org/presentationml/2006/main">
+  <p:cSld>
+    <p:spTree>
+      <p:nvGrpSpPr>
+        <p:cNvPr id="1" name=""/>
+        <p:cNvGrpSpPr/>
+        <p:nvPr/>
+      </p:nvGrpSpPr>
+      <p:grpSpPr>
+        <a:xfrm>
+          <a:off x="0" y="0"/>
+          <a:ext cx="0" cy="0"/>
+          <a:chOff x="0" y="0"/>
+          <a:chExt cx="0" cy="0"/>
+        </a:xfrm>
+      </p:grpSpPr>
+      <p:sp>
+        <p:nvSpPr>
+          <p:cNvPr id="4" name="Oval 3">
+            <a:extLst>
+              <a:ext uri="{FF2B5EF4-FFF2-40B4-BE49-F238E27FC236}">
+                <a16:creationId xmlns:a16="http://schemas.microsoft.com/office/drawing/2014/main" id="{3D7BEAF2-5B56-FA4A-B279-5912FD618991}"/>
+              </a:ext>
+            </a:extLst>
+          </p:cNvPr>
+          <p:cNvSpPr/>
+          <p:nvPr/>
+        </p:nvSpPr>
+        <p:spPr>
+          <a:xfrm>
+            <a:off x="1018037" y="888352"/>
+            <a:ext cx="1043492" cy="1161826"/>
+          </a:xfrm>
+          <a:prstGeom prst="ellipse">
+            <a:avLst/>
+          </a:prstGeom>
+          <a:solidFill>
+            <a:schemeClr val="accent2">
+              <a:lumMod val="60000"/>
+              <a:lumOff val="40000"/>
+            </a:schemeClr>
+          </a:solidFill>
+          <a:ln>
+            <a:noFill/>
+          </a:ln>
+        </p:spPr>
+        <p:style>
+          <a:lnRef idx="2">
+            <a:schemeClr val="accent1">
+              <a:shade val="50000"/>
+            </a:schemeClr>
+          </a:lnRef>
+          <a:fillRef idx="1">
+            <a:schemeClr val="accent1"/>
+          </a:fillRef>
+          <a:effectRef idx="0">
+            <a:schemeClr val="accent1"/>
+          </a:effectRef>
+          <a:fontRef idx="minor">
+            <a:schemeClr val="lt1"/>
+          </a:fontRef>
+        </p:style>
+        <p:txBody>
+          <a:bodyPr rtlCol="0" anchor="ctr"/>
+          <a:lstStyle/>
+          <a:p>
+            <a:pPr algn="ctr"/>
+            <a:endParaRPr lang="de-DE"/>
+          </a:p>
+        </p:txBody>
+      </p:sp>
+      <p:sp>
+        <p:nvSpPr>
+          <p:cNvPr id="5" name="Oval 4">
+            <a:extLst>
+              <a:ext uri="{FF2B5EF4-FFF2-40B4-BE49-F238E27FC236}">
+                <a16:creationId xmlns:a16="http://schemas.microsoft.com/office/drawing/2014/main" id="{A244D807-B7D4-054D-9AFF-2AB593D4FF9C}"/>
+              </a:ext>
+            </a:extLst>
+          </p:cNvPr>
+          <p:cNvSpPr/>
+          <p:nvPr/>
+        </p:nvSpPr>
+        <p:spPr>
+          <a:xfrm>
+            <a:off x="3267250" y="888352"/>
+            <a:ext cx="1043492" cy="1161826"/>
+          </a:xfrm>
+          <a:prstGeom prst="ellipse">
+            <a:avLst/>
+          </a:prstGeom>
+          <a:solidFill>
+            <a:schemeClr val="accent2">
+              <a:lumMod val="60000"/>
+              <a:lumOff val="40000"/>
+            </a:schemeClr>
+          </a:solidFill>
+          <a:ln>
+            <a:noFill/>
+          </a:ln>
+        </p:spPr>
+        <p:style>
+          <a:lnRef idx="2">
+            <a:schemeClr val="accent1">
+              <a:shade val="50000"/>
+            </a:schemeClr>
+          </a:lnRef>
+          <a:fillRef idx="1">
+            <a:schemeClr val="accent1"/>
+          </a:fillRef>
+          <a:effectRef idx="0">
+            <a:schemeClr val="accent1"/>
+          </a:effectRef>
+          <a:fontRef idx="minor">
+            <a:schemeClr val="lt1"/>
+          </a:fontRef>
+        </p:style>
+        <p:txBody>
+          <a:bodyPr rtlCol="0" anchor="ctr"/>
+          <a:lstStyle/>
+          <a:p>
+            <a:pPr algn="ctr"/>
+            <a:endParaRPr lang="de-DE"/>
+          </a:p>
+        </p:txBody>
+      </p:sp>
+      <p:sp>
+        <p:nvSpPr>
+          <p:cNvPr id="6" name="Oval 5">
+            <a:extLst>
+              <a:ext uri="{FF2B5EF4-FFF2-40B4-BE49-F238E27FC236}">
+                <a16:creationId xmlns:a16="http://schemas.microsoft.com/office/drawing/2014/main" id="{41C457B5-FE66-354C-9875-20BDF579DDA2}"/>
+              </a:ext>
+            </a:extLst>
+          </p:cNvPr>
+          <p:cNvSpPr/>
+          <p:nvPr/>
+        </p:nvSpPr>
+        <p:spPr>
+          <a:xfrm>
+            <a:off x="6020961" y="888352"/>
+            <a:ext cx="1043492" cy="1161826"/>
+          </a:xfrm>
+          <a:prstGeom prst="ellipse">
+            <a:avLst/>
+          </a:prstGeom>
+          <a:solidFill>
+            <a:schemeClr val="accent2">
+              <a:lumMod val="60000"/>
+              <a:lumOff val="40000"/>
+            </a:schemeClr>
+          </a:solidFill>
+          <a:ln>
+            <a:noFill/>
+          </a:ln>
+        </p:spPr>
+        <p:style>
+          <a:lnRef idx="2">
+            <a:schemeClr val="accent1">
+              <a:shade val="50000"/>
+            </a:schemeClr>
+          </a:lnRef>
+          <a:fillRef idx="1">
+            <a:schemeClr val="accent1"/>
+          </a:fillRef>
+          <a:effectRef idx="0">
+            <a:schemeClr val="accent1"/>
+          </a:effectRef>
+          <a:fontRef idx="minor">
+            <a:schemeClr val="lt1"/>
+          </a:fontRef>
+        </p:style>
+        <p:txBody>
+          <a:bodyPr rtlCol="0" anchor="ctr"/>
+          <a:lstStyle/>
+          <a:p>
+            <a:pPr algn="ctr"/>
+            <a:endParaRPr lang="de-DE"/>
+          </a:p>
+        </p:txBody>
+      </p:sp>
+      <p:sp>
+        <p:nvSpPr>
+          <p:cNvPr id="7" name="Oval 6">
+            <a:extLst>
+              <a:ext uri="{FF2B5EF4-FFF2-40B4-BE49-F238E27FC236}">
+                <a16:creationId xmlns:a16="http://schemas.microsoft.com/office/drawing/2014/main" id="{2BD0BEBF-740D-A449-AC8B-B6E19FBD0589}"/>
+              </a:ext>
+            </a:extLst>
+          </p:cNvPr>
+          <p:cNvSpPr/>
+          <p:nvPr/>
+        </p:nvSpPr>
+        <p:spPr>
+          <a:xfrm>
+            <a:off x="9016409" y="888352"/>
+            <a:ext cx="1043492" cy="1161826"/>
+          </a:xfrm>
+          <a:prstGeom prst="ellipse">
+            <a:avLst/>
+          </a:prstGeom>
+          <a:solidFill>
+            <a:schemeClr val="accent2">
+              <a:lumMod val="60000"/>
+              <a:lumOff val="40000"/>
+            </a:schemeClr>
+          </a:solidFill>
+          <a:ln>
+            <a:noFill/>
+          </a:ln>
+        </p:spPr>
+        <p:style>
+          <a:lnRef idx="2">
+            <a:schemeClr val="accent1">
+              <a:shade val="50000"/>
+            </a:schemeClr>
+          </a:lnRef>
+          <a:fillRef idx="1">
+            <a:schemeClr val="accent1"/>
+          </a:fillRef>
+          <a:effectRef idx="0">
+            <a:schemeClr val="accent1"/>
+          </a:effectRef>
+          <a:fontRef idx="minor">
+            <a:schemeClr val="lt1"/>
+          </a:fontRef>
+        </p:style>
+        <p:txBody>
+          <a:bodyPr rtlCol="0" anchor="ctr"/>
+          <a:lstStyle/>
+          <a:p>
+            <a:pPr algn="ctr"/>
+            <a:endParaRPr lang="de-DE"/>
+          </a:p>
+        </p:txBody>
+      </p:sp>
+      <p:sp>
+        <p:nvSpPr>
+          <p:cNvPr id="10" name="Freihandform 9">
+            <a:extLst>
+              <a:ext uri="{FF2B5EF4-FFF2-40B4-BE49-F238E27FC236}">
+                <a16:creationId xmlns:a16="http://schemas.microsoft.com/office/drawing/2014/main" id="{57D3931E-3482-1647-8102-07305811571A}"/>
+              </a:ext>
+            </a:extLst>
+          </p:cNvPr>
+          <p:cNvSpPr/>
+          <p:nvPr/>
+        </p:nvSpPr>
+        <p:spPr>
+          <a:xfrm rot="8593728" flipH="1">
+            <a:off x="810351" y="3180041"/>
+            <a:ext cx="4710629" cy="4562482"/>
+          </a:xfrm>
+          <a:custGeom>
+            <a:avLst/>
+            <a:gdLst>
+              <a:gd name="connsiteX0" fmla="*/ 3464513 w 4710629"/>
+              <a:gd name="connsiteY0" fmla="*/ 3244405 h 4562482"/>
+              <a:gd name="connsiteX1" fmla="*/ 3441304 w 4710629"/>
+              <a:gd name="connsiteY1" fmla="*/ 3231566 h 4562482"/>
+              <a:gd name="connsiteX2" fmla="*/ 2513237 w 4710629"/>
+              <a:gd name="connsiteY2" fmla="*/ 2000670 h 4562482"/>
+              <a:gd name="connsiteX3" fmla="*/ 2511150 w 4710629"/>
+              <a:gd name="connsiteY3" fmla="*/ 1968681 h 4562482"/>
+              <a:gd name="connsiteX4" fmla="*/ 2541235 w 4710629"/>
+              <a:gd name="connsiteY4" fmla="*/ 1979745 h 4562482"/>
+              <a:gd name="connsiteX5" fmla="*/ 3458775 w 4710629"/>
+              <a:gd name="connsiteY5" fmla="*/ 3218509 h 4562482"/>
+              <a:gd name="connsiteX6" fmla="*/ 4710629 w 4710629"/>
+              <a:gd name="connsiteY6" fmla="*/ 3678622 h 4562482"/>
+              <a:gd name="connsiteX7" fmla="*/ 4710629 w 4710629"/>
+              <a:gd name="connsiteY7" fmla="*/ 3678620 h 4562482"/>
+              <a:gd name="connsiteX8" fmla="*/ 3817745 w 4710629"/>
+              <a:gd name="connsiteY8" fmla="*/ 3423089 h 4562482"/>
+              <a:gd name="connsiteX9" fmla="*/ 3700972 w 4710629"/>
+              <a:gd name="connsiteY9" fmla="*/ 3368521 h 4562482"/>
+              <a:gd name="connsiteX10" fmla="*/ 3698427 w 4710629"/>
+              <a:gd name="connsiteY10" fmla="*/ 3201662 h 4562482"/>
+              <a:gd name="connsiteX11" fmla="*/ 2744543 w 4710629"/>
+              <a:gd name="connsiteY11" fmla="*/ 1385765 h 4562482"/>
+              <a:gd name="connsiteX12" fmla="*/ 2609775 w 4710629"/>
+              <a:gd name="connsiteY12" fmla="*/ 1334261 h 4562482"/>
+              <a:gd name="connsiteX13" fmla="*/ 2665064 w 4710629"/>
+              <a:gd name="connsiteY13" fmla="*/ 1215773 h 4562482"/>
+              <a:gd name="connsiteX14" fmla="*/ 4710629 w 4710629"/>
+              <a:gd name="connsiteY14" fmla="*/ 0 h 4562482"/>
+              <a:gd name="connsiteX15" fmla="*/ 2094461 w 4710629"/>
+              <a:gd name="connsiteY15" fmla="*/ 1123368 h 4562482"/>
+              <a:gd name="connsiteX16" fmla="*/ 2001886 w 4710629"/>
+              <a:gd name="connsiteY16" fmla="*/ 1287219 h 4562482"/>
+              <a:gd name="connsiteX17" fmla="*/ 1818519 w 4710629"/>
+              <a:gd name="connsiteY17" fmla="*/ 1329581 h 4562482"/>
+              <a:gd name="connsiteX18" fmla="*/ 0 w 4710629"/>
+              <a:gd name="connsiteY18" fmla="*/ 3520308 h 4562482"/>
+              <a:gd name="connsiteX19" fmla="*/ 1745483 w 4710629"/>
+              <a:gd name="connsiteY19" fmla="*/ 1902986 h 4562482"/>
+              <a:gd name="connsiteX20" fmla="*/ 1874782 w 4710629"/>
+              <a:gd name="connsiteY20" fmla="*/ 1883530 h 4562482"/>
+              <a:gd name="connsiteX21" fmla="*/ 1885994 w 4710629"/>
+              <a:gd name="connsiteY21" fmla="*/ 2027370 h 4562482"/>
+              <a:gd name="connsiteX22" fmla="*/ 3357253 w 4710629"/>
+              <a:gd name="connsiteY22" fmla="*/ 3456627 h 4562482"/>
+              <a:gd name="connsiteX23" fmla="*/ 3516554 w 4710629"/>
+              <a:gd name="connsiteY23" fmla="*/ 3506339 h 4562482"/>
+              <a:gd name="connsiteX24" fmla="*/ 3535803 w 4710629"/>
+              <a:gd name="connsiteY24" fmla="*/ 3633786 h 4562482"/>
+              <a:gd name="connsiteX25" fmla="*/ 3527906 w 4710629"/>
+              <a:gd name="connsiteY25" fmla="*/ 4562482 h 4562482"/>
+              <a:gd name="connsiteX26" fmla="*/ 3527908 w 4710629"/>
+              <a:gd name="connsiteY26" fmla="*/ 4562482 h 4562482"/>
+              <a:gd name="connsiteX27" fmla="*/ 3687804 w 4710629"/>
+              <a:gd name="connsiteY27" fmla="*/ 3729328 h 4562482"/>
+              <a:gd name="connsiteX28" fmla="*/ 3697258 w 4710629"/>
+              <a:gd name="connsiteY28" fmla="*/ 3555848 h 4562482"/>
+              <a:gd name="connsiteX29" fmla="*/ 3866310 w 4710629"/>
+              <a:gd name="connsiteY29" fmla="*/ 3595930 h 4562482"/>
+              <a:gd name="connsiteX30" fmla="*/ 4710629 w 4710629"/>
+              <a:gd name="connsiteY30" fmla="*/ 3678622 h 4562482"/>
+            </a:gdLst>
+            <a:ahLst/>
+            <a:cxnLst>
+              <a:cxn ang="0">
+                <a:pos x="connsiteX0" y="connsiteY0"/>
+              </a:cxn>
+              <a:cxn ang="0">
+                <a:pos x="connsiteX1" y="connsiteY1"/>
+              </a:cxn>
+              <a:cxn ang="0">
+                <a:pos x="connsiteX2" y="connsiteY2"/>
+              </a:cxn>
+              <a:cxn ang="0">
+                <a:pos x="connsiteX3" y="connsiteY3"/>
+              </a:cxn>
+              <a:cxn ang="0">
+                <a:pos x="connsiteX4" y="connsiteY4"/>
+              </a:cxn>
+              <a:cxn ang="0">
+                <a:pos x="connsiteX5" y="connsiteY5"/>
+              </a:cxn>
+              <a:cxn ang="0">
+                <a:pos x="connsiteX6" y="connsiteY6"/>
+              </a:cxn>
+              <a:cxn ang="0">
+                <a:pos x="connsiteX7" y="connsiteY7"/>
+              </a:cxn>
+              <a:cxn ang="0">
+                <a:pos x="connsiteX8" y="connsiteY8"/>
+              </a:cxn>
+              <a:cxn ang="0">
+                <a:pos x="connsiteX9" y="connsiteY9"/>
+              </a:cxn>
+              <a:cxn ang="0">
+                <a:pos x="connsiteX10" y="connsiteY10"/>
+              </a:cxn>
+              <a:cxn ang="0">
+                <a:pos x="connsiteX11" y="connsiteY11"/>
+              </a:cxn>
+              <a:cxn ang="0">
+                <a:pos x="connsiteX12" y="connsiteY12"/>
+              </a:cxn>
+              <a:cxn ang="0">
+                <a:pos x="connsiteX13" y="connsiteY13"/>
+              </a:cxn>
+              <a:cxn ang="0">
+                <a:pos x="connsiteX14" y="connsiteY14"/>
+              </a:cxn>
+              <a:cxn ang="0">
+                <a:pos x="connsiteX15" y="connsiteY15"/>
+              </a:cxn>
+              <a:cxn ang="0">
+                <a:pos x="connsiteX16" y="connsiteY16"/>
+              </a:cxn>
+              <a:cxn ang="0">
+                <a:pos x="connsiteX17" y="connsiteY17"/>
+              </a:cxn>
+              <a:cxn ang="0">
+                <a:pos x="connsiteX18" y="connsiteY18"/>
+              </a:cxn>
+              <a:cxn ang="0">
+                <a:pos x="connsiteX19" y="connsiteY19"/>
+              </a:cxn>
+              <a:cxn ang="0">
+                <a:pos x="connsiteX20" y="connsiteY20"/>
+              </a:cxn>
+              <a:cxn ang="0">
+                <a:pos x="connsiteX21" y="connsiteY21"/>
+              </a:cxn>
+              <a:cxn ang="0">
+                <a:pos x="connsiteX22" y="connsiteY22"/>
+              </a:cxn>
+              <a:cxn ang="0">
+                <a:pos x="connsiteX23" y="connsiteY23"/>
+              </a:cxn>
+              <a:cxn ang="0">
+                <a:pos x="connsiteX24" y="connsiteY24"/>
+              </a:cxn>
+              <a:cxn ang="0">
+                <a:pos x="connsiteX25" y="connsiteY25"/>
+              </a:cxn>
+              <a:cxn ang="0">
+                <a:pos x="connsiteX26" y="connsiteY26"/>
+              </a:cxn>
+              <a:cxn ang="0">
+                <a:pos x="connsiteX27" y="connsiteY27"/>
+              </a:cxn>
+              <a:cxn ang="0">
+                <a:pos x="connsiteX28" y="connsiteY28"/>
+              </a:cxn>
+              <a:cxn ang="0">
+                <a:pos x="connsiteX29" y="connsiteY29"/>
+              </a:cxn>
+              <a:cxn ang="0">
+                <a:pos x="connsiteX30" y="connsiteY30"/>
+              </a:cxn>
+            </a:cxnLst>
+            <a:rect l="l" t="t" r="r" b="b"/>
+            <a:pathLst>
+              <a:path w="4710629" h="4562482">
+                <a:moveTo>
+                  <a:pt x="3464513" y="3244405"/>
+                </a:moveTo>
+                <a:lnTo>
+                  <a:pt x="3441304" y="3231566"/>
+                </a:lnTo>
+                <a:cubicBezTo>
+                  <a:pt x="2916210" y="2916208"/>
+                  <a:pt x="2576023" y="2480225"/>
+                  <a:pt x="2513237" y="2000670"/>
+                </a:cubicBezTo>
+                <a:lnTo>
+                  <a:pt x="2511150" y="1968681"/>
+                </a:lnTo>
+                <a:lnTo>
+                  <a:pt x="2541235" y="1979745"/>
+                </a:lnTo>
+                <a:cubicBezTo>
+                  <a:pt x="2983355" y="2175819"/>
+                  <a:pt x="3305099" y="2625585"/>
+                  <a:pt x="3458775" y="3218509"/>
+                </a:cubicBezTo>
+                <a:close/>
+                <a:moveTo>
+                  <a:pt x="4710629" y="3678622"/>
+                </a:moveTo>
+                <a:lnTo>
+                  <a:pt x="4710629" y="3678620"/>
+                </a:lnTo>
+                <a:cubicBezTo>
+                  <a:pt x="4385950" y="3625162"/>
+                  <a:pt x="4085615" y="3537730"/>
+                  <a:pt x="3817745" y="3423089"/>
+                </a:cubicBezTo>
+                <a:lnTo>
+                  <a:pt x="3700972" y="3368521"/>
+                </a:lnTo>
+                <a:lnTo>
+                  <a:pt x="3698427" y="3201662"/>
+                </a:lnTo>
+                <a:cubicBezTo>
+                  <a:pt x="3654828" y="2349791"/>
+                  <a:pt x="3310071" y="1653901"/>
+                  <a:pt x="2744543" y="1385765"/>
+                </a:cubicBezTo>
+                <a:lnTo>
+                  <a:pt x="2609775" y="1334261"/>
+                </a:lnTo>
+                <a:lnTo>
+                  <a:pt x="2665064" y="1215773"/>
+                </a:lnTo>
+                <a:cubicBezTo>
+                  <a:pt x="2981655" y="626512"/>
+                  <a:pt x="3736591" y="160374"/>
+                  <a:pt x="4710629" y="0"/>
+                </a:cubicBezTo>
+                <a:cubicBezTo>
+                  <a:pt x="3534555" y="0"/>
+                  <a:pt x="2525489" y="463212"/>
+                  <a:pt x="2094461" y="1123368"/>
+                </a:cubicBezTo>
+                <a:lnTo>
+                  <a:pt x="2001886" y="1287219"/>
+                </a:lnTo>
+                <a:lnTo>
+                  <a:pt x="1818519" y="1329581"/>
+                </a:lnTo>
+                <a:cubicBezTo>
+                  <a:pt x="1063297" y="1555924"/>
+                  <a:pt x="333189" y="2392418"/>
+                  <a:pt x="0" y="3520308"/>
+                </a:cubicBezTo>
+                <a:cubicBezTo>
+                  <a:pt x="429754" y="2631612"/>
+                  <a:pt x="1090672" y="2039665"/>
+                  <a:pt x="1745483" y="1902986"/>
+                </a:cubicBezTo>
+                <a:lnTo>
+                  <a:pt x="1874782" y="1883530"/>
+                </a:lnTo>
+                <a:lnTo>
+                  <a:pt x="1885994" y="2027370"/>
+                </a:lnTo>
+                <a:cubicBezTo>
+                  <a:pt x="1982927" y="2645692"/>
+                  <a:pt x="2552635" y="3173474"/>
+                  <a:pt x="3357253" y="3456627"/>
+                </a:cubicBezTo>
+                <a:lnTo>
+                  <a:pt x="3516554" y="3506339"/>
+                </a:lnTo>
+                <a:lnTo>
+                  <a:pt x="3535803" y="3633786"/>
+                </a:lnTo>
+                <a:cubicBezTo>
+                  <a:pt x="3569858" y="3923160"/>
+                  <a:pt x="3568621" y="4235960"/>
+                  <a:pt x="3527906" y="4562482"/>
+                </a:cubicBezTo>
+                <a:lnTo>
+                  <a:pt x="3527908" y="4562482"/>
+                </a:lnTo>
+                <a:cubicBezTo>
+                  <a:pt x="3611205" y="4280510"/>
+                  <a:pt x="3663780" y="4000346"/>
+                  <a:pt x="3687804" y="3729328"/>
+                </a:cubicBezTo>
+                <a:lnTo>
+                  <a:pt x="3697258" y="3555848"/>
+                </a:lnTo>
+                <a:lnTo>
+                  <a:pt x="3866310" y="3595930"/>
+                </a:lnTo>
+                <a:cubicBezTo>
+                  <a:pt x="4133030" y="3649671"/>
+                  <a:pt x="4416610" y="3678622"/>
+                  <a:pt x="4710629" y="3678622"/>
+                </a:cubicBezTo>
+                <a:close/>
+              </a:path>
+            </a:pathLst>
+          </a:custGeom>
+        </p:spPr>
+        <p:style>
+          <a:lnRef idx="2">
+            <a:schemeClr val="accent1">
+              <a:shade val="50000"/>
+            </a:schemeClr>
+          </a:lnRef>
+          <a:fillRef idx="1">
+            <a:schemeClr val="accent1"/>
+          </a:fillRef>
+          <a:effectRef idx="0">
+            <a:schemeClr val="accent1"/>
+          </a:effectRef>
+          <a:fontRef idx="minor">
+            <a:schemeClr val="lt1"/>
+          </a:fontRef>
+        </p:style>
+        <p:txBody>
+          <a:bodyPr rtlCol="0" anchor="ctr"/>
+          <a:lstStyle/>
+          <a:p>
+            <a:pPr algn="ctr"/>
+            <a:endParaRPr lang="de-DE"/>
+          </a:p>
+        </p:txBody>
+      </p:sp>
+      <p:sp>
+        <p:nvSpPr>
+          <p:cNvPr id="14" name="Freihandform 13">
+            <a:extLst>
+              <a:ext uri="{FF2B5EF4-FFF2-40B4-BE49-F238E27FC236}">
+                <a16:creationId xmlns:a16="http://schemas.microsoft.com/office/drawing/2014/main" id="{8D61DFCD-E66C-E540-942A-14A283EC3D8D}"/>
+              </a:ext>
+            </a:extLst>
+          </p:cNvPr>
+          <p:cNvSpPr/>
+          <p:nvPr/>
+        </p:nvSpPr>
+        <p:spPr>
+          <a:xfrm>
+            <a:off x="1723697" y="2343806"/>
+            <a:ext cx="3677154" cy="3830626"/>
+          </a:xfrm>
+          <a:custGeom>
+            <a:avLst/>
+            <a:gdLst>
+              <a:gd name="connsiteX0" fmla="*/ 0 w 3677154"/>
+              <a:gd name="connsiteY0" fmla="*/ 0 h 3830626"/>
+              <a:gd name="connsiteX1" fmla="*/ 3677154 w 3677154"/>
+              <a:gd name="connsiteY1" fmla="*/ 0 h 3830626"/>
+              <a:gd name="connsiteX2" fmla="*/ 3677154 w 3677154"/>
+              <a:gd name="connsiteY2" fmla="*/ 3552497 h 3830626"/>
+              <a:gd name="connsiteX3" fmla="*/ 2343806 w 3677154"/>
+              <a:gd name="connsiteY3" fmla="*/ 3552497 h 3830626"/>
+              <a:gd name="connsiteX4" fmla="*/ 2343806 w 3677154"/>
+              <a:gd name="connsiteY4" fmla="*/ 3596454 h 3830626"/>
+              <a:gd name="connsiteX5" fmla="*/ 2109634 w 3677154"/>
+              <a:gd name="connsiteY5" fmla="*/ 3830626 h 3830626"/>
+              <a:gd name="connsiteX6" fmla="*/ 1400818 w 3677154"/>
+              <a:gd name="connsiteY6" fmla="*/ 3830626 h 3830626"/>
+              <a:gd name="connsiteX7" fmla="*/ 1166646 w 3677154"/>
+              <a:gd name="connsiteY7" fmla="*/ 3596454 h 3830626"/>
+              <a:gd name="connsiteX8" fmla="*/ 1166646 w 3677154"/>
+              <a:gd name="connsiteY8" fmla="*/ 3552497 h 3830626"/>
+              <a:gd name="connsiteX9" fmla="*/ 0 w 3677154"/>
+              <a:gd name="connsiteY9" fmla="*/ 3552497 h 3830626"/>
+            </a:gdLst>
+            <a:ahLst/>
+            <a:cxnLst>
+              <a:cxn ang="0">
+                <a:pos x="connsiteX0" y="connsiteY0"/>
+              </a:cxn>
+              <a:cxn ang="0">
+                <a:pos x="connsiteX1" y="connsiteY1"/>
+              </a:cxn>
+              <a:cxn ang="0">
+                <a:pos x="connsiteX2" y="connsiteY2"/>
+              </a:cxn>
+              <a:cxn ang="0">
+                <a:pos x="connsiteX3" y="connsiteY3"/>
+              </a:cxn>
+              <a:cxn ang="0">
+                <a:pos x="connsiteX4" y="connsiteY4"/>
+              </a:cxn>
+              <a:cxn ang="0">
+                <a:pos x="connsiteX5" y="connsiteY5"/>
+              </a:cxn>
+              <a:cxn ang="0">
+                <a:pos x="connsiteX6" y="connsiteY6"/>
+              </a:cxn>
+              <a:cxn ang="0">
+                <a:pos x="connsiteX7" y="connsiteY7"/>
+              </a:cxn>
+              <a:cxn ang="0">
+                <a:pos x="connsiteX8" y="connsiteY8"/>
+              </a:cxn>
+              <a:cxn ang="0">
+                <a:pos x="connsiteX9" y="connsiteY9"/>
+              </a:cxn>
+            </a:cxnLst>
+            <a:rect l="l" t="t" r="r" b="b"/>
+            <a:pathLst>
+              <a:path w="3677154" h="3830626">
+                <a:moveTo>
+                  <a:pt x="0" y="0"/>
+                </a:moveTo>
+                <a:lnTo>
+                  <a:pt x="3677154" y="0"/>
+                </a:lnTo>
+                <a:lnTo>
+                  <a:pt x="3677154" y="3552497"/>
+                </a:lnTo>
+                <a:lnTo>
+                  <a:pt x="2343806" y="3552497"/>
+                </a:lnTo>
+                <a:lnTo>
+                  <a:pt x="2343806" y="3596454"/>
+                </a:lnTo>
+                <a:lnTo>
+                  <a:pt x="2109634" y="3830626"/>
+                </a:lnTo>
+                <a:lnTo>
+                  <a:pt x="1400818" y="3830626"/>
+                </a:lnTo>
+                <a:lnTo>
+                  <a:pt x="1166646" y="3596454"/>
+                </a:lnTo>
+                <a:lnTo>
+                  <a:pt x="1166646" y="3552497"/>
+                </a:lnTo>
+                <a:lnTo>
+                  <a:pt x="0" y="3552497"/>
+                </a:lnTo>
+                <a:close/>
+              </a:path>
+            </a:pathLst>
+          </a:custGeom>
+        </p:spPr>
+        <p:style>
+          <a:lnRef idx="2">
+            <a:schemeClr val="accent1">
+              <a:shade val="50000"/>
+            </a:schemeClr>
+          </a:lnRef>
+          <a:fillRef idx="1">
+            <a:schemeClr val="accent1"/>
+          </a:fillRef>
+          <a:effectRef idx="0">
+            <a:schemeClr val="accent1"/>
+          </a:effectRef>
+          <a:fontRef idx="minor">
+            <a:schemeClr val="lt1"/>
+          </a:fontRef>
+        </p:style>
+        <p:txBody>
+          <a:bodyPr rtlCol="0" anchor="ctr"/>
+          <a:lstStyle/>
+          <a:p>
+            <a:pPr algn="ctr"/>
+            <a:endParaRPr lang="de-DE"/>
+          </a:p>
+        </p:txBody>
+      </p:sp>
+      <p:sp>
+        <p:nvSpPr>
+          <p:cNvPr id="17" name="Freihandform 16">
+            <a:extLst>
+              <a:ext uri="{FF2B5EF4-FFF2-40B4-BE49-F238E27FC236}">
+                <a16:creationId xmlns:a16="http://schemas.microsoft.com/office/drawing/2014/main" id="{C6BF4CED-98BB-2240-9354-2BD8CEE3FF19}"/>
+              </a:ext>
+            </a:extLst>
+          </p:cNvPr>
+          <p:cNvSpPr/>
+          <p:nvPr/>
+        </p:nvSpPr>
+        <p:spPr>
+          <a:xfrm rot="8593728" flipH="1">
+            <a:off x="3153550" y="1059332"/>
+            <a:ext cx="1291913" cy="965462"/>
+          </a:xfrm>
+          <a:custGeom>
+            <a:avLst/>
+            <a:gdLst>
+              <a:gd name="connsiteX0" fmla="*/ 4710629 w 4710629"/>
+              <a:gd name="connsiteY0" fmla="*/ 0 h 3520308"/>
+              <a:gd name="connsiteX1" fmla="*/ 2094461 w 4710629"/>
+              <a:gd name="connsiteY1" fmla="*/ 1123368 h 3520308"/>
+              <a:gd name="connsiteX2" fmla="*/ 2001886 w 4710629"/>
+              <a:gd name="connsiteY2" fmla="*/ 1287219 h 3520308"/>
+              <a:gd name="connsiteX3" fmla="*/ 1818519 w 4710629"/>
+              <a:gd name="connsiteY3" fmla="*/ 1329581 h 3520308"/>
+              <a:gd name="connsiteX4" fmla="*/ 0 w 4710629"/>
+              <a:gd name="connsiteY4" fmla="*/ 3520308 h 3520308"/>
+              <a:gd name="connsiteX5" fmla="*/ 1745483 w 4710629"/>
+              <a:gd name="connsiteY5" fmla="*/ 1902986 h 3520308"/>
+              <a:gd name="connsiteX6" fmla="*/ 1873890 w 4710629"/>
+              <a:gd name="connsiteY6" fmla="*/ 1883664 h 3520308"/>
+              <a:gd name="connsiteX7" fmla="*/ 1895445 w 4710629"/>
+              <a:gd name="connsiteY7" fmla="*/ 1734618 h 3520308"/>
+              <a:gd name="connsiteX8" fmla="*/ 2463230 w 4710629"/>
+              <a:gd name="connsiteY8" fmla="*/ 1310306 h 3520308"/>
+              <a:gd name="connsiteX9" fmla="*/ 2610983 w 4710629"/>
+              <a:gd name="connsiteY9" fmla="*/ 1331674 h 3520308"/>
+              <a:gd name="connsiteX10" fmla="*/ 2665064 w 4710629"/>
+              <a:gd name="connsiteY10" fmla="*/ 1215773 h 3520308"/>
+              <a:gd name="connsiteX11" fmla="*/ 4710629 w 4710629"/>
+              <a:gd name="connsiteY11" fmla="*/ 0 h 3520308"/>
+            </a:gdLst>
+            <a:ahLst/>
+            <a:cxnLst>
+              <a:cxn ang="0">
+                <a:pos x="connsiteX0" y="connsiteY0"/>
+              </a:cxn>
+              <a:cxn ang="0">
+                <a:pos x="connsiteX1" y="connsiteY1"/>
+              </a:cxn>
+              <a:cxn ang="0">
+                <a:pos x="connsiteX2" y="connsiteY2"/>
+              </a:cxn>
+              <a:cxn ang="0">
+                <a:pos x="connsiteX3" y="connsiteY3"/>
+              </a:cxn>
+              <a:cxn ang="0">
+                <a:pos x="connsiteX4" y="connsiteY4"/>
+              </a:cxn>
+              <a:cxn ang="0">
+                <a:pos x="connsiteX5" y="connsiteY5"/>
+              </a:cxn>
+              <a:cxn ang="0">
+                <a:pos x="connsiteX6" y="connsiteY6"/>
+              </a:cxn>
+              <a:cxn ang="0">
+                <a:pos x="connsiteX7" y="connsiteY7"/>
+              </a:cxn>
+              <a:cxn ang="0">
+                <a:pos x="connsiteX8" y="connsiteY8"/>
+              </a:cxn>
+              <a:cxn ang="0">
+                <a:pos x="connsiteX9" y="connsiteY9"/>
+              </a:cxn>
+              <a:cxn ang="0">
+                <a:pos x="connsiteX10" y="connsiteY10"/>
+              </a:cxn>
+              <a:cxn ang="0">
+                <a:pos x="connsiteX11" y="connsiteY11"/>
+              </a:cxn>
+            </a:cxnLst>
+            <a:rect l="l" t="t" r="r" b="b"/>
+            <a:pathLst>
+              <a:path w="4710629" h="3520308">
+                <a:moveTo>
+                  <a:pt x="4710629" y="0"/>
+                </a:moveTo>
+                <a:cubicBezTo>
+                  <a:pt x="3534555" y="0"/>
+                  <a:pt x="2525489" y="463212"/>
+                  <a:pt x="2094461" y="1123368"/>
+                </a:cubicBezTo>
+                <a:lnTo>
+                  <a:pt x="2001886" y="1287219"/>
+                </a:lnTo>
+                <a:lnTo>
+                  <a:pt x="1818519" y="1329581"/>
+                </a:lnTo>
+                <a:cubicBezTo>
+                  <a:pt x="1063297" y="1555924"/>
+                  <a:pt x="333189" y="2392418"/>
+                  <a:pt x="0" y="3520308"/>
+                </a:cubicBezTo>
+                <a:cubicBezTo>
+                  <a:pt x="429754" y="2631612"/>
+                  <a:pt x="1090672" y="2039665"/>
+                  <a:pt x="1745483" y="1902986"/>
+                </a:cubicBezTo>
+                <a:lnTo>
+                  <a:pt x="1873890" y="1883664"/>
+                </a:lnTo>
+                <a:lnTo>
+                  <a:pt x="1895445" y="1734618"/>
+                </a:lnTo>
+                <a:lnTo>
+                  <a:pt x="2463230" y="1310306"/>
+                </a:lnTo>
+                <a:lnTo>
+                  <a:pt x="2610983" y="1331674"/>
+                </a:lnTo>
+                <a:lnTo>
+                  <a:pt x="2665064" y="1215773"/>
+                </a:lnTo>
+                <a:cubicBezTo>
+                  <a:pt x="2981655" y="626512"/>
+                  <a:pt x="3736591" y="160374"/>
+                  <a:pt x="4710629" y="0"/>
+                </a:cubicBezTo>
+                <a:close/>
+              </a:path>
+            </a:pathLst>
+          </a:custGeom>
+          <a:ln>
+            <a:noFill/>
+          </a:ln>
+        </p:spPr>
+        <p:style>
+          <a:lnRef idx="2">
+            <a:schemeClr val="accent1">
+              <a:shade val="50000"/>
+            </a:schemeClr>
+          </a:lnRef>
+          <a:fillRef idx="1">
+            <a:schemeClr val="accent1"/>
+          </a:fillRef>
+          <a:effectRef idx="0">
+            <a:schemeClr val="accent1"/>
+          </a:effectRef>
+          <a:fontRef idx="minor">
+            <a:schemeClr val="lt1"/>
+          </a:fontRef>
+        </p:style>
+        <p:txBody>
+          <a:bodyPr rtlCol="0" anchor="ctr"/>
+          <a:lstStyle/>
+          <a:p>
+            <a:pPr algn="ctr"/>
+            <a:endParaRPr lang="de-DE"/>
+          </a:p>
+        </p:txBody>
+      </p:sp>
+      <p:sp>
+        <p:nvSpPr>
+          <p:cNvPr id="18" name="Oval 17">
+            <a:extLst>
+              <a:ext uri="{FF2B5EF4-FFF2-40B4-BE49-F238E27FC236}">
+                <a16:creationId xmlns:a16="http://schemas.microsoft.com/office/drawing/2014/main" id="{E917B668-4913-3E4B-A295-741A48DD678C}"/>
+              </a:ext>
+            </a:extLst>
+          </p:cNvPr>
+          <p:cNvSpPr/>
+          <p:nvPr/>
+        </p:nvSpPr>
+        <p:spPr>
+          <a:xfrm>
+            <a:off x="6091205" y="1586468"/>
+            <a:ext cx="56953" cy="58182"/>
+          </a:xfrm>
+          <a:prstGeom prst="ellipse">
+            <a:avLst/>
+          </a:prstGeom>
+          <a:ln>
+            <a:noFill/>
+          </a:ln>
+        </p:spPr>
+        <p:style>
+          <a:lnRef idx="2">
+            <a:schemeClr val="accent1">
+              <a:shade val="50000"/>
+            </a:schemeClr>
+          </a:lnRef>
+          <a:fillRef idx="1">
+            <a:schemeClr val="accent1"/>
+          </a:fillRef>
+          <a:effectRef idx="0">
+            <a:schemeClr val="accent1"/>
+          </a:effectRef>
+          <a:fontRef idx="minor">
+            <a:schemeClr val="lt1"/>
+          </a:fontRef>
+        </p:style>
+        <p:txBody>
+          <a:bodyPr rtlCol="0" anchor="ctr"/>
+          <a:lstStyle/>
+          <a:p>
+            <a:pPr algn="ctr"/>
+            <a:endParaRPr lang="de-DE"/>
+          </a:p>
+        </p:txBody>
+      </p:sp>
+      <p:sp>
+        <p:nvSpPr>
+          <p:cNvPr id="19" name="Oval 18">
+            <a:extLst>
+              <a:ext uri="{FF2B5EF4-FFF2-40B4-BE49-F238E27FC236}">
+                <a16:creationId xmlns:a16="http://schemas.microsoft.com/office/drawing/2014/main" id="{2B9A185B-A4E8-4547-A670-5E43ED7F8FCC}"/>
+              </a:ext>
+            </a:extLst>
+          </p:cNvPr>
+          <p:cNvSpPr/>
+          <p:nvPr/>
+        </p:nvSpPr>
+        <p:spPr>
+          <a:xfrm>
+            <a:off x="6262698" y="1834634"/>
+            <a:ext cx="56953" cy="58182"/>
+          </a:xfrm>
+          <a:prstGeom prst="ellipse">
+            <a:avLst/>
+          </a:prstGeom>
+          <a:ln>
+            <a:noFill/>
+          </a:ln>
+        </p:spPr>
+        <p:style>
+          <a:lnRef idx="2">
+            <a:schemeClr val="accent1">
+              <a:shade val="50000"/>
+            </a:schemeClr>
+          </a:lnRef>
+          <a:fillRef idx="1">
+            <a:schemeClr val="accent1"/>
+          </a:fillRef>
+          <a:effectRef idx="0">
+            <a:schemeClr val="accent1"/>
+          </a:effectRef>
+          <a:fontRef idx="minor">
+            <a:schemeClr val="lt1"/>
+          </a:fontRef>
+        </p:style>
+        <p:txBody>
+          <a:bodyPr rtlCol="0" anchor="ctr"/>
+          <a:lstStyle/>
+          <a:p>
+            <a:pPr algn="ctr"/>
+            <a:endParaRPr lang="de-DE"/>
+          </a:p>
+        </p:txBody>
+      </p:sp>
+      <p:sp>
+        <p:nvSpPr>
+          <p:cNvPr id="20" name="Oval 19">
+            <a:extLst>
+              <a:ext uri="{FF2B5EF4-FFF2-40B4-BE49-F238E27FC236}">
+                <a16:creationId xmlns:a16="http://schemas.microsoft.com/office/drawing/2014/main" id="{6CAB360D-EA74-6F4B-BE7D-5CE755A8695C}"/>
+              </a:ext>
+            </a:extLst>
+          </p:cNvPr>
+          <p:cNvSpPr/>
+          <p:nvPr/>
+        </p:nvSpPr>
+        <p:spPr>
+          <a:xfrm>
+            <a:off x="6514230" y="1945243"/>
+            <a:ext cx="56953" cy="58182"/>
+          </a:xfrm>
+          <a:prstGeom prst="ellipse">
+            <a:avLst/>
+          </a:prstGeom>
+          <a:ln>
+            <a:noFill/>
+          </a:ln>
+        </p:spPr>
+        <p:style>
+          <a:lnRef idx="2">
+            <a:schemeClr val="accent1">
+              <a:shade val="50000"/>
+            </a:schemeClr>
+          </a:lnRef>
+          <a:fillRef idx="1">
+            <a:schemeClr val="accent1"/>
+          </a:fillRef>
+          <a:effectRef idx="0">
+            <a:schemeClr val="accent1"/>
+          </a:effectRef>
+          <a:fontRef idx="minor">
+            <a:schemeClr val="lt1"/>
+          </a:fontRef>
+        </p:style>
+        <p:txBody>
+          <a:bodyPr rtlCol="0" anchor="ctr"/>
+          <a:lstStyle/>
+          <a:p>
+            <a:pPr algn="ctr"/>
+            <a:endParaRPr lang="de-DE"/>
+          </a:p>
+        </p:txBody>
+      </p:sp>
+      <p:sp>
+        <p:nvSpPr>
+          <p:cNvPr id="21" name="Oval 20">
+            <a:extLst>
+              <a:ext uri="{FF2B5EF4-FFF2-40B4-BE49-F238E27FC236}">
+                <a16:creationId xmlns:a16="http://schemas.microsoft.com/office/drawing/2014/main" id="{441C233C-005D-134C-8505-CC9C20FC1814}"/>
+              </a:ext>
+            </a:extLst>
+          </p:cNvPr>
+          <p:cNvSpPr/>
+          <p:nvPr/>
+        </p:nvSpPr>
+        <p:spPr>
+          <a:xfrm>
+            <a:off x="6769296" y="1834634"/>
+            <a:ext cx="56953" cy="58182"/>
+          </a:xfrm>
+          <a:prstGeom prst="ellipse">
+            <a:avLst/>
+          </a:prstGeom>
+          <a:ln>
+            <a:noFill/>
+          </a:ln>
+        </p:spPr>
+        <p:style>
+          <a:lnRef idx="2">
+            <a:schemeClr val="accent1">
+              <a:shade val="50000"/>
+            </a:schemeClr>
+          </a:lnRef>
+          <a:fillRef idx="1">
+            <a:schemeClr val="accent1"/>
+          </a:fillRef>
+          <a:effectRef idx="0">
+            <a:schemeClr val="accent1"/>
+          </a:effectRef>
+          <a:fontRef idx="minor">
+            <a:schemeClr val="lt1"/>
+          </a:fontRef>
+        </p:style>
+        <p:txBody>
+          <a:bodyPr rtlCol="0" anchor="ctr"/>
+          <a:lstStyle/>
+          <a:p>
+            <a:pPr algn="ctr"/>
+            <a:endParaRPr lang="de-DE"/>
+          </a:p>
+        </p:txBody>
+      </p:sp>
+      <p:sp>
+        <p:nvSpPr>
+          <p:cNvPr id="22" name="Oval 21">
+            <a:extLst>
+              <a:ext uri="{FF2B5EF4-FFF2-40B4-BE49-F238E27FC236}">
+                <a16:creationId xmlns:a16="http://schemas.microsoft.com/office/drawing/2014/main" id="{BFAB692F-CBD7-6B48-9C69-F513082DF63F}"/>
+              </a:ext>
+            </a:extLst>
+          </p:cNvPr>
+          <p:cNvSpPr/>
+          <p:nvPr/>
+        </p:nvSpPr>
+        <p:spPr>
+          <a:xfrm>
+            <a:off x="6666246" y="1711920"/>
+            <a:ext cx="56953" cy="58182"/>
+          </a:xfrm>
+          <a:prstGeom prst="ellipse">
+            <a:avLst/>
+          </a:prstGeom>
+          <a:ln>
+            <a:noFill/>
+          </a:ln>
+        </p:spPr>
+        <p:style>
+          <a:lnRef idx="2">
+            <a:schemeClr val="accent1">
+              <a:shade val="50000"/>
+            </a:schemeClr>
+          </a:lnRef>
+          <a:fillRef idx="1">
+            <a:schemeClr val="accent1"/>
+          </a:fillRef>
+          <a:effectRef idx="0">
+            <a:schemeClr val="accent1"/>
+          </a:effectRef>
+          <a:fontRef idx="minor">
+            <a:schemeClr val="lt1"/>
+          </a:fontRef>
+        </p:style>
+        <p:txBody>
+          <a:bodyPr rtlCol="0" anchor="ctr"/>
+          <a:lstStyle/>
+          <a:p>
+            <a:pPr algn="ctr"/>
+            <a:endParaRPr lang="de-DE"/>
+          </a:p>
+        </p:txBody>
+      </p:sp>
+      <p:sp>
+        <p:nvSpPr>
+          <p:cNvPr id="23" name="Oval 22">
+            <a:extLst>
+              <a:ext uri="{FF2B5EF4-FFF2-40B4-BE49-F238E27FC236}">
+                <a16:creationId xmlns:a16="http://schemas.microsoft.com/office/drawing/2014/main" id="{0AE06002-4928-054F-B522-1F77DB73BDC4}"/>
+              </a:ext>
+            </a:extLst>
+          </p:cNvPr>
+          <p:cNvSpPr/>
+          <p:nvPr/>
+        </p:nvSpPr>
+        <p:spPr>
+          <a:xfrm>
+            <a:off x="6921697" y="1586468"/>
+            <a:ext cx="56953" cy="58182"/>
+          </a:xfrm>
+          <a:prstGeom prst="ellipse">
+            <a:avLst/>
+          </a:prstGeom>
+          <a:ln>
+            <a:noFill/>
+          </a:ln>
+        </p:spPr>
+        <p:style>
+          <a:lnRef idx="2">
+            <a:schemeClr val="accent1">
+              <a:shade val="50000"/>
+            </a:schemeClr>
+          </a:lnRef>
+          <a:fillRef idx="1">
+            <a:schemeClr val="accent1"/>
+          </a:fillRef>
+          <a:effectRef idx="0">
+            <a:schemeClr val="accent1"/>
+          </a:effectRef>
+          <a:fontRef idx="minor">
+            <a:schemeClr val="lt1"/>
+          </a:fontRef>
+        </p:style>
+        <p:txBody>
+          <a:bodyPr rtlCol="0" anchor="ctr"/>
+          <a:lstStyle/>
+          <a:p>
+            <a:pPr algn="ctr"/>
+            <a:endParaRPr lang="de-DE"/>
+          </a:p>
+        </p:txBody>
+      </p:sp>
+      <p:sp>
+        <p:nvSpPr>
+          <p:cNvPr id="24" name="Oval 23">
+            <a:extLst>
+              <a:ext uri="{FF2B5EF4-FFF2-40B4-BE49-F238E27FC236}">
+                <a16:creationId xmlns:a16="http://schemas.microsoft.com/office/drawing/2014/main" id="{90344ADB-E180-A346-A2D7-C394018ED4B2}"/>
+              </a:ext>
+            </a:extLst>
+          </p:cNvPr>
+          <p:cNvSpPr/>
+          <p:nvPr/>
+        </p:nvSpPr>
+        <p:spPr>
+          <a:xfrm>
+            <a:off x="6511153" y="1586468"/>
+            <a:ext cx="56953" cy="58182"/>
+          </a:xfrm>
+          <a:prstGeom prst="ellipse">
+            <a:avLst/>
+          </a:prstGeom>
+          <a:ln>
+            <a:noFill/>
+          </a:ln>
+        </p:spPr>
+        <p:style>
+          <a:lnRef idx="2">
+            <a:schemeClr val="accent1">
+              <a:shade val="50000"/>
+            </a:schemeClr>
+          </a:lnRef>
+          <a:fillRef idx="1">
+            <a:schemeClr val="accent1"/>
+          </a:fillRef>
+          <a:effectRef idx="0">
+            <a:schemeClr val="accent1"/>
+          </a:effectRef>
+          <a:fontRef idx="minor">
+            <a:schemeClr val="lt1"/>
+          </a:fontRef>
+        </p:style>
+        <p:txBody>
+          <a:bodyPr rtlCol="0" anchor="ctr"/>
+          <a:lstStyle/>
+          <a:p>
+            <a:pPr algn="ctr"/>
+            <a:endParaRPr lang="de-DE"/>
+          </a:p>
+        </p:txBody>
+      </p:sp>
+      <p:sp>
+        <p:nvSpPr>
+          <p:cNvPr id="25" name="Oval 24">
+            <a:extLst>
+              <a:ext uri="{FF2B5EF4-FFF2-40B4-BE49-F238E27FC236}">
+                <a16:creationId xmlns:a16="http://schemas.microsoft.com/office/drawing/2014/main" id="{D11DB58C-7A35-604F-B440-7931483F3E79}"/>
+              </a:ext>
+            </a:extLst>
+          </p:cNvPr>
+          <p:cNvSpPr/>
+          <p:nvPr/>
+        </p:nvSpPr>
+        <p:spPr>
+          <a:xfrm>
+            <a:off x="6383104" y="1711920"/>
+            <a:ext cx="56953" cy="58182"/>
+          </a:xfrm>
+          <a:prstGeom prst="ellipse">
+            <a:avLst/>
+          </a:prstGeom>
+          <a:ln>
+            <a:noFill/>
+          </a:ln>
+        </p:spPr>
+        <p:style>
+          <a:lnRef idx="2">
+            <a:schemeClr val="accent1">
+              <a:shade val="50000"/>
+            </a:schemeClr>
+          </a:lnRef>
+          <a:fillRef idx="1">
+            <a:schemeClr val="accent1"/>
+          </a:fillRef>
+          <a:effectRef idx="0">
+            <a:schemeClr val="accent1"/>
+          </a:effectRef>
+          <a:fontRef idx="minor">
+            <a:schemeClr val="lt1"/>
+          </a:fontRef>
+        </p:style>
+        <p:txBody>
+          <a:bodyPr rtlCol="0" anchor="ctr"/>
+          <a:lstStyle/>
+          <a:p>
+            <a:pPr algn="ctr"/>
+            <a:endParaRPr lang="de-DE" dirty="0"/>
+          </a:p>
+        </p:txBody>
+      </p:sp>
+      <p:sp>
+        <p:nvSpPr>
+          <p:cNvPr id="38" name="Freihandform 37">
+            <a:extLst>
+              <a:ext uri="{FF2B5EF4-FFF2-40B4-BE49-F238E27FC236}">
+                <a16:creationId xmlns:a16="http://schemas.microsoft.com/office/drawing/2014/main" id="{8614AFF0-B9D1-284C-8434-E3EA74DDD23F}"/>
+              </a:ext>
+            </a:extLst>
+          </p:cNvPr>
+          <p:cNvSpPr/>
+          <p:nvPr/>
+        </p:nvSpPr>
+        <p:spPr>
+          <a:xfrm rot="8593728" flipH="1">
+            <a:off x="9091544" y="1269429"/>
+            <a:ext cx="922649" cy="805292"/>
+          </a:xfrm>
+          <a:custGeom>
+            <a:avLst/>
+            <a:gdLst>
+              <a:gd name="connsiteX0" fmla="*/ 439228 w 922649"/>
+              <a:gd name="connsiteY0" fmla="*/ 614922 h 805292"/>
+              <a:gd name="connsiteX1" fmla="*/ 445139 w 922649"/>
+              <a:gd name="connsiteY1" fmla="*/ 574046 h 805292"/>
+              <a:gd name="connsiteX2" fmla="*/ 600857 w 922649"/>
+              <a:gd name="connsiteY2" fmla="*/ 457676 h 805292"/>
+              <a:gd name="connsiteX3" fmla="*/ 641379 w 922649"/>
+              <a:gd name="connsiteY3" fmla="*/ 463536 h 805292"/>
+              <a:gd name="connsiteX4" fmla="*/ 656212 w 922649"/>
+              <a:gd name="connsiteY4" fmla="*/ 431750 h 805292"/>
+              <a:gd name="connsiteX5" fmla="*/ 869099 w 922649"/>
+              <a:gd name="connsiteY5" fmla="*/ 220925 h 805292"/>
+              <a:gd name="connsiteX6" fmla="*/ 922649 w 922649"/>
+              <a:gd name="connsiteY6" fmla="*/ 192508 h 805292"/>
+              <a:gd name="connsiteX7" fmla="*/ 895072 w 922649"/>
+              <a:gd name="connsiteY7" fmla="*/ 144118 h 805292"/>
+              <a:gd name="connsiteX8" fmla="*/ 890041 w 922649"/>
+              <a:gd name="connsiteY8" fmla="*/ 145402 h 805292"/>
+              <a:gd name="connsiteX9" fmla="*/ 858753 w 922649"/>
+              <a:gd name="connsiteY9" fmla="*/ 111880 h 805292"/>
+              <a:gd name="connsiteX10" fmla="*/ 466002 w 922649"/>
+              <a:gd name="connsiteY10" fmla="*/ 6366 h 805292"/>
+              <a:gd name="connsiteX11" fmla="*/ 386386 w 922649"/>
+              <a:gd name="connsiteY11" fmla="*/ 25546 h 805292"/>
+              <a:gd name="connsiteX12" fmla="*/ 312363 w 922649"/>
+              <a:gd name="connsiteY12" fmla="*/ 56444 h 805292"/>
+              <a:gd name="connsiteX13" fmla="*/ 223317 w 922649"/>
+              <a:gd name="connsiteY13" fmla="*/ 112308 h 805292"/>
+              <a:gd name="connsiteX14" fmla="*/ 144515 w 922649"/>
+              <a:gd name="connsiteY14" fmla="*/ 181879 h 805292"/>
+              <a:gd name="connsiteX15" fmla="*/ 87990 w 922649"/>
+              <a:gd name="connsiteY15" fmla="*/ 251398 h 805292"/>
+              <a:gd name="connsiteX16" fmla="*/ 49942 w 922649"/>
+              <a:gd name="connsiteY16" fmla="*/ 317292 h 805292"/>
+              <a:gd name="connsiteX17" fmla="*/ 39864 w 922649"/>
+              <a:gd name="connsiteY17" fmla="*/ 723846 h 805292"/>
+              <a:gd name="connsiteX18" fmla="*/ 63150 w 922649"/>
+              <a:gd name="connsiteY18" fmla="*/ 763348 h 805292"/>
+              <a:gd name="connsiteX19" fmla="*/ 62478 w 922649"/>
+              <a:gd name="connsiteY19" fmla="*/ 764478 h 805292"/>
+              <a:gd name="connsiteX20" fmla="*/ 101706 w 922649"/>
+              <a:gd name="connsiteY20" fmla="*/ 805292 h 805292"/>
+              <a:gd name="connsiteX21" fmla="*/ 141511 w 922649"/>
+              <a:gd name="connsiteY21" fmla="*/ 764659 h 805292"/>
+              <a:gd name="connsiteX22" fmla="*/ 404011 w 922649"/>
+              <a:gd name="connsiteY22" fmla="*/ 620221 h 805292"/>
+              <a:gd name="connsiteX23" fmla="*/ 439228 w 922649"/>
+              <a:gd name="connsiteY23" fmla="*/ 614922 h 805292"/>
+              <a:gd name="connsiteX24" fmla="*/ 474331 w 922649"/>
+              <a:gd name="connsiteY24" fmla="*/ 451344 h 805292"/>
+              <a:gd name="connsiteX25" fmla="*/ 424041 w 922649"/>
+              <a:gd name="connsiteY25" fmla="*/ 462962 h 805292"/>
+              <a:gd name="connsiteX26" fmla="*/ 346893 w 922649"/>
+              <a:gd name="connsiteY26" fmla="*/ 493913 h 805292"/>
+              <a:gd name="connsiteX27" fmla="*/ 316998 w 922649"/>
+              <a:gd name="connsiteY27" fmla="*/ 512022 h 805292"/>
+              <a:gd name="connsiteX28" fmla="*/ 337178 w 922649"/>
+              <a:gd name="connsiteY28" fmla="*/ 491280 h 805292"/>
+              <a:gd name="connsiteX29" fmla="*/ 551484 w 922649"/>
+              <a:gd name="connsiteY29" fmla="*/ 331126 h 805292"/>
+              <a:gd name="connsiteX30" fmla="*/ 577097 w 922649"/>
+              <a:gd name="connsiteY30" fmla="*/ 317645 h 805292"/>
+              <a:gd name="connsiteX31" fmla="*/ 551261 w 922649"/>
+              <a:gd name="connsiteY31" fmla="*/ 341187 h 805292"/>
+              <a:gd name="connsiteX32" fmla="*/ 499720 w 922649"/>
+              <a:gd name="connsiteY32" fmla="*/ 406407 h 805292"/>
+              <a:gd name="connsiteX33" fmla="*/ 474331 w 922649"/>
+              <a:gd name="connsiteY33" fmla="*/ 451344 h 805292"/>
+            </a:gdLst>
+            <a:ahLst/>
+            <a:cxnLst>
+              <a:cxn ang="0">
+                <a:pos x="connsiteX0" y="connsiteY0"/>
+              </a:cxn>
+              <a:cxn ang="0">
+                <a:pos x="connsiteX1" y="connsiteY1"/>
+              </a:cxn>
+              <a:cxn ang="0">
+                <a:pos x="connsiteX2" y="connsiteY2"/>
+              </a:cxn>
+              <a:cxn ang="0">
+                <a:pos x="connsiteX3" y="connsiteY3"/>
+              </a:cxn>
+              <a:cxn ang="0">
+                <a:pos x="connsiteX4" y="connsiteY4"/>
+              </a:cxn>
+              <a:cxn ang="0">
+                <a:pos x="connsiteX5" y="connsiteY5"/>
+              </a:cxn>
+              <a:cxn ang="0">
+                <a:pos x="connsiteX6" y="connsiteY6"/>
+              </a:cxn>
+              <a:cxn ang="0">
+                <a:pos x="connsiteX7" y="connsiteY7"/>
+              </a:cxn>
+              <a:cxn ang="0">
+                <a:pos x="connsiteX8" y="connsiteY8"/>
+              </a:cxn>
+              <a:cxn ang="0">
+                <a:pos x="connsiteX9" y="connsiteY9"/>
+              </a:cxn>
+              <a:cxn ang="0">
+                <a:pos x="connsiteX10" y="connsiteY10"/>
+              </a:cxn>
+              <a:cxn ang="0">
+                <a:pos x="connsiteX11" y="connsiteY11"/>
+              </a:cxn>
+              <a:cxn ang="0">
+                <a:pos x="connsiteX12" y="connsiteY12"/>
+              </a:cxn>
+              <a:cxn ang="0">
+                <a:pos x="connsiteX13" y="connsiteY13"/>
+              </a:cxn>
+              <a:cxn ang="0">
+                <a:pos x="connsiteX14" y="connsiteY14"/>
+              </a:cxn>
+              <a:cxn ang="0">
+                <a:pos x="connsiteX15" y="connsiteY15"/>
+              </a:cxn>
+              <a:cxn ang="0">
+                <a:pos x="connsiteX16" y="connsiteY16"/>
+              </a:cxn>
+              <a:cxn ang="0">
+                <a:pos x="connsiteX17" y="connsiteY17"/>
+              </a:cxn>
+              <a:cxn ang="0">
+                <a:pos x="connsiteX18" y="connsiteY18"/>
+              </a:cxn>
+              <a:cxn ang="0">
+                <a:pos x="connsiteX19" y="connsiteY19"/>
+              </a:cxn>
+              <a:cxn ang="0">
+                <a:pos x="connsiteX20" y="connsiteY20"/>
+              </a:cxn>
+              <a:cxn ang="0">
+                <a:pos x="connsiteX21" y="connsiteY21"/>
+              </a:cxn>
+              <a:cxn ang="0">
+                <a:pos x="connsiteX22" y="connsiteY22"/>
+              </a:cxn>
+              <a:cxn ang="0">
+                <a:pos x="connsiteX23" y="connsiteY23"/>
+              </a:cxn>
+              <a:cxn ang="0">
+                <a:pos x="connsiteX24" y="connsiteY24"/>
+              </a:cxn>
+              <a:cxn ang="0">
+                <a:pos x="connsiteX25" y="connsiteY25"/>
+              </a:cxn>
+              <a:cxn ang="0">
+                <a:pos x="connsiteX26" y="connsiteY26"/>
+              </a:cxn>
+              <a:cxn ang="0">
+                <a:pos x="connsiteX27" y="connsiteY27"/>
+              </a:cxn>
+              <a:cxn ang="0">
+                <a:pos x="connsiteX28" y="connsiteY28"/>
+              </a:cxn>
+              <a:cxn ang="0">
+                <a:pos x="connsiteX29" y="connsiteY29"/>
+              </a:cxn>
+              <a:cxn ang="0">
+                <a:pos x="connsiteX30" y="connsiteY30"/>
+              </a:cxn>
+              <a:cxn ang="0">
+                <a:pos x="connsiteX31" y="connsiteY31"/>
+              </a:cxn>
+              <a:cxn ang="0">
+                <a:pos x="connsiteX32" y="connsiteY32"/>
+              </a:cxn>
+              <a:cxn ang="0">
+                <a:pos x="connsiteX33" y="connsiteY33"/>
+              </a:cxn>
+            </a:cxnLst>
+            <a:rect l="l" t="t" r="r" b="b"/>
+            <a:pathLst>
+              <a:path w="922649" h="805292">
+                <a:moveTo>
+                  <a:pt x="439228" y="614922"/>
+                </a:moveTo>
+                <a:lnTo>
+                  <a:pt x="445139" y="574046"/>
+                </a:lnTo>
+                <a:lnTo>
+                  <a:pt x="600857" y="457676"/>
+                </a:lnTo>
+                <a:lnTo>
+                  <a:pt x="641379" y="463536"/>
+                </a:lnTo>
+                <a:lnTo>
+                  <a:pt x="656212" y="431750"/>
+                </a:lnTo>
+                <a:cubicBezTo>
+                  <a:pt x="699625" y="350946"/>
+                  <a:pt x="773093" y="278584"/>
+                  <a:pt x="869099" y="220925"/>
+                </a:cubicBezTo>
+                <a:lnTo>
+                  <a:pt x="922649" y="192508"/>
+                </a:lnTo>
+                <a:lnTo>
+                  <a:pt x="895072" y="144118"/>
+                </a:lnTo>
+                <a:lnTo>
+                  <a:pt x="890041" y="145402"/>
+                </a:lnTo>
+                <a:lnTo>
+                  <a:pt x="858753" y="111880"/>
+                </a:lnTo>
+                <a:cubicBezTo>
+                  <a:pt x="752571" y="20590"/>
+                  <a:pt x="608461" y="-15930"/>
+                  <a:pt x="466002" y="6366"/>
+                </a:cubicBezTo>
+                <a:lnTo>
+                  <a:pt x="386386" y="25546"/>
+                </a:lnTo>
+                <a:lnTo>
+                  <a:pt x="312363" y="56444"/>
+                </a:lnTo>
+                <a:cubicBezTo>
+                  <a:pt x="281897" y="72208"/>
+                  <a:pt x="252065" y="90824"/>
+                  <a:pt x="223317" y="112308"/>
+                </a:cubicBezTo>
+                <a:cubicBezTo>
+                  <a:pt x="194569" y="133792"/>
+                  <a:pt x="168264" y="157128"/>
+                  <a:pt x="144515" y="181879"/>
+                </a:cubicBezTo>
+                <a:lnTo>
+                  <a:pt x="87990" y="251398"/>
+                </a:lnTo>
+                <a:lnTo>
+                  <a:pt x="49942" y="317292"/>
+                </a:lnTo>
+                <a:cubicBezTo>
+                  <a:pt x="-11801" y="447599"/>
+                  <a:pt x="-17604" y="596152"/>
+                  <a:pt x="39864" y="723846"/>
+                </a:cubicBezTo>
+                <a:lnTo>
+                  <a:pt x="63150" y="763348"/>
+                </a:lnTo>
+                <a:lnTo>
+                  <a:pt x="62478" y="764478"/>
+                </a:lnTo>
+                <a:lnTo>
+                  <a:pt x="101706" y="805292"/>
+                </a:lnTo>
+                <a:lnTo>
+                  <a:pt x="141511" y="764659"/>
+                </a:lnTo>
+                <a:cubicBezTo>
+                  <a:pt x="224007" y="688921"/>
+                  <a:pt x="314218" y="638963"/>
+                  <a:pt x="404011" y="620221"/>
+                </a:cubicBezTo>
+                <a:lnTo>
+                  <a:pt x="439228" y="614922"/>
+                </a:lnTo>
+                <a:close/>
+                <a:moveTo>
+                  <a:pt x="474331" y="451344"/>
+                </a:moveTo>
+                <a:lnTo>
+                  <a:pt x="424041" y="462962"/>
+                </a:lnTo>
+                <a:cubicBezTo>
+                  <a:pt x="398152" y="470721"/>
+                  <a:pt x="372369" y="481096"/>
+                  <a:pt x="346893" y="493913"/>
+                </a:cubicBezTo>
+                <a:lnTo>
+                  <a:pt x="316998" y="512022"/>
+                </a:lnTo>
+                <a:lnTo>
+                  <a:pt x="337178" y="491280"/>
+                </a:lnTo>
+                <a:cubicBezTo>
+                  <a:pt x="402787" y="430593"/>
+                  <a:pt x="474697" y="376854"/>
+                  <a:pt x="551484" y="331126"/>
+                </a:cubicBezTo>
+                <a:lnTo>
+                  <a:pt x="577097" y="317645"/>
+                </a:lnTo>
+                <a:lnTo>
+                  <a:pt x="551261" y="341187"/>
+                </a:lnTo>
+                <a:cubicBezTo>
+                  <a:pt x="531750" y="361988"/>
+                  <a:pt x="514497" y="383776"/>
+                  <a:pt x="499720" y="406407"/>
+                </a:cubicBezTo>
+                <a:lnTo>
+                  <a:pt x="474331" y="451344"/>
+                </a:lnTo>
+                <a:close/>
+              </a:path>
+            </a:pathLst>
+          </a:custGeom>
+          <a:ln>
+            <a:noFill/>
+          </a:ln>
+        </p:spPr>
+        <p:style>
+          <a:lnRef idx="2">
+            <a:schemeClr val="accent1">
+              <a:shade val="50000"/>
+            </a:schemeClr>
+          </a:lnRef>
+          <a:fillRef idx="1">
+            <a:schemeClr val="accent1"/>
+          </a:fillRef>
+          <a:effectRef idx="0">
+            <a:schemeClr val="accent1"/>
+          </a:effectRef>
+          <a:fontRef idx="minor">
+            <a:schemeClr val="lt1"/>
+          </a:fontRef>
+        </p:style>
+        <p:txBody>
+          <a:bodyPr rtlCol="0" anchor="ctr"/>
+          <a:lstStyle/>
+          <a:p>
+            <a:pPr algn="ctr"/>
+            <a:endParaRPr lang="de-DE"/>
+          </a:p>
+        </p:txBody>
+      </p:sp>
+    </p:spTree>
+    <p:extLst>
+      <p:ext uri="{BB962C8B-B14F-4D97-AF65-F5344CB8AC3E}">
+        <p14:creationId xmlns:p14="http://schemas.microsoft.com/office/powerpoint/2010/main" val="2304937613"/>
+      </p:ext>
+    </p:extLst>
+  </p:cSld>
+  <p:clrMapOvr>
+    <a:masterClrMapping/>
+  </p:clrMapOvr>
+</p:sld>
+</file>
+
 <file path=ppt/theme/theme1.xml><?xml version="1.0" encoding="utf-8"?>
 <a:theme xmlns:a="http://schemas.openxmlformats.org/drawingml/2006/main" name="Office">
   <a:themeElements>
